--- a/docs/source/_static/pics.pptx
+++ b/docs/source/_static/pics.pptx
@@ -3399,64 +3399,142 @@
           <a:chExt cx="0" cy="0"/>
         </a:xfrm>
       </p:grpSpPr>
-      <p:pic>
-        <p:nvPicPr>
-          <p:cNvPr id="4" name="Picture 3"/>
-          <p:cNvPicPr>
-            <a:picLocks noChangeAspect="1"/>
-          </p:cNvPicPr>
+      <p:grpSp>
+        <p:nvGrpSpPr>
+          <p:cNvPr id="9" name="Group 8"/>
+          <p:cNvGrpSpPr/>
           <p:nvPr/>
-        </p:nvPicPr>
-        <p:blipFill rotWithShape="1">
-          <a:blip r:embed="rId2">
-            <a:extLst>
-              <a:ext uri="{28A0092B-C50C-407E-A947-70E740481C1C}">
-                <a14:useLocalDpi xmlns:a14="http://schemas.microsoft.com/office/drawing/2010/main" val="0"/>
-              </a:ext>
-            </a:extLst>
-          </a:blip>
-          <a:srcRect l="27320" t="5758" r="26656" b="13561"/>
-          <a:stretch/>
-        </p:blipFill>
-        <p:spPr>
+        </p:nvGrpSpPr>
+        <p:grpSpPr>
           <a:xfrm>
             <a:off x="3328988" y="700087"/>
             <a:ext cx="4629150" cy="5072061"/>
+            <a:chOff x="3328988" y="700087"/>
+            <a:chExt cx="4629150" cy="5072061"/>
           </a:xfrm>
-          <a:prstGeom prst="rect">
-            <a:avLst/>
-          </a:prstGeom>
-        </p:spPr>
-      </p:pic>
-      <p:pic>
-        <p:nvPicPr>
-          <p:cNvPr id="6" name="Picture 5"/>
-          <p:cNvPicPr>
-            <a:picLocks noChangeAspect="1"/>
-          </p:cNvPicPr>
-          <p:nvPr/>
-        </p:nvPicPr>
-        <p:blipFill rotWithShape="1">
-          <a:blip r:embed="rId2">
-            <a:extLst>
-              <a:ext uri="{28A0092B-C50C-407E-A947-70E740481C1C}">
-                <a14:useLocalDpi xmlns:a14="http://schemas.microsoft.com/office/drawing/2010/main" val="0"/>
-              </a:ext>
-            </a:extLst>
-          </a:blip>
-          <a:srcRect l="54545" t="31439" r="11222" b="16516"/>
-          <a:stretch/>
-        </p:blipFill>
-        <p:spPr>
-          <a:xfrm>
-            <a:off x="4514849" y="2314572"/>
-            <a:ext cx="3443289" cy="3271837"/>
-          </a:xfrm>
-          <a:prstGeom prst="rect">
-            <a:avLst/>
-          </a:prstGeom>
-        </p:spPr>
-      </p:pic>
+        </p:grpSpPr>
+        <p:grpSp>
+          <p:nvGrpSpPr>
+            <p:cNvPr id="7" name="Group 6"/>
+            <p:cNvGrpSpPr/>
+            <p:nvPr/>
+          </p:nvGrpSpPr>
+          <p:grpSpPr>
+            <a:xfrm>
+              <a:off x="3328988" y="700087"/>
+              <a:ext cx="4629150" cy="5072061"/>
+              <a:chOff x="3328988" y="700087"/>
+              <a:chExt cx="4629150" cy="5072061"/>
+            </a:xfrm>
+          </p:grpSpPr>
+          <p:pic>
+            <p:nvPicPr>
+              <p:cNvPr id="4" name="Picture 3"/>
+              <p:cNvPicPr>
+                <a:picLocks noChangeAspect="1"/>
+              </p:cNvPicPr>
+              <p:nvPr/>
+            </p:nvPicPr>
+            <p:blipFill rotWithShape="1">
+              <a:blip r:embed="rId2">
+                <a:extLst>
+                  <a:ext uri="{28A0092B-C50C-407E-A947-70E740481C1C}">
+                    <a14:useLocalDpi xmlns:a14="http://schemas.microsoft.com/office/drawing/2010/main" val="0"/>
+                  </a:ext>
+                </a:extLst>
+              </a:blip>
+              <a:srcRect l="27320" t="5758" r="26656" b="13561"/>
+              <a:stretch/>
+            </p:blipFill>
+            <p:spPr>
+              <a:xfrm>
+                <a:off x="3328988" y="700087"/>
+                <a:ext cx="4629150" cy="5072061"/>
+              </a:xfrm>
+              <a:prstGeom prst="rect">
+                <a:avLst/>
+              </a:prstGeom>
+            </p:spPr>
+          </p:pic>
+          <p:pic>
+            <p:nvPicPr>
+              <p:cNvPr id="6" name="Picture 5"/>
+              <p:cNvPicPr>
+                <a:picLocks noChangeAspect="1"/>
+              </p:cNvPicPr>
+              <p:nvPr/>
+            </p:nvPicPr>
+            <p:blipFill rotWithShape="1">
+              <a:blip r:embed="rId2">
+                <a:extLst>
+                  <a:ext uri="{28A0092B-C50C-407E-A947-70E740481C1C}">
+                    <a14:useLocalDpi xmlns:a14="http://schemas.microsoft.com/office/drawing/2010/main" val="0"/>
+                  </a:ext>
+                </a:extLst>
+              </a:blip>
+              <a:srcRect l="54545" t="31439" r="11222" b="16516"/>
+              <a:stretch/>
+            </p:blipFill>
+            <p:spPr>
+              <a:xfrm>
+                <a:off x="4514849" y="2314572"/>
+                <a:ext cx="3443289" cy="3271837"/>
+              </a:xfrm>
+              <a:prstGeom prst="rect">
+                <a:avLst/>
+              </a:prstGeom>
+            </p:spPr>
+          </p:pic>
+        </p:grpSp>
+        <p:sp>
+          <p:nvSpPr>
+            <p:cNvPr id="8" name="Left Arrow 7"/>
+            <p:cNvSpPr/>
+            <p:nvPr/>
+          </p:nvSpPr>
+          <p:spPr>
+            <a:xfrm rot="18649399">
+              <a:off x="4308426" y="1768061"/>
+              <a:ext cx="632596" cy="371475"/>
+            </a:xfrm>
+            <a:prstGeom prst="leftArrow">
+              <a:avLst/>
+            </a:prstGeom>
+            <a:solidFill>
+              <a:srgbClr val="C00000"/>
+            </a:solidFill>
+            <a:ln>
+              <a:solidFill>
+                <a:srgbClr val="C00000"/>
+              </a:solidFill>
+            </a:ln>
+          </p:spPr>
+          <p:style>
+            <a:lnRef idx="2">
+              <a:schemeClr val="accent1">
+                <a:shade val="50000"/>
+              </a:schemeClr>
+            </a:lnRef>
+            <a:fillRef idx="1">
+              <a:schemeClr val="accent1"/>
+            </a:fillRef>
+            <a:effectRef idx="0">
+              <a:schemeClr val="accent1"/>
+            </a:effectRef>
+            <a:fontRef idx="minor">
+              <a:schemeClr val="lt1"/>
+            </a:fontRef>
+          </p:style>
+          <p:txBody>
+            <a:bodyPr rtlCol="0" anchor="ctr"/>
+            <a:lstStyle/>
+            <a:p>
+              <a:pPr algn="ctr"/>
+              <a:endParaRPr lang="en-US"/>
+            </a:p>
+          </p:txBody>
+        </p:sp>
+      </p:grpSp>
     </p:spTree>
     <p:extLst>
       <p:ext uri="{BB962C8B-B14F-4D97-AF65-F5344CB8AC3E}">
